--- a/Memoirs.pptx
+++ b/Memoirs.pptx
@@ -7,9 +7,10 @@
   <p:sldIdLst>
     <p:sldId id="257" r:id="rId2"/>
     <p:sldId id="258" r:id="rId3"/>
-    <p:sldId id="256" r:id="rId4"/>
-    <p:sldId id="260" r:id="rId5"/>
-    <p:sldId id="259" r:id="rId6"/>
+    <p:sldId id="261" r:id="rId4"/>
+    <p:sldId id="256" r:id="rId5"/>
+    <p:sldId id="260" r:id="rId6"/>
+    <p:sldId id="259" r:id="rId7"/>
   </p:sldIdLst>
   <p:sldSz cx="12192000" cy="6858000"/>
   <p:notesSz cx="6858000" cy="9144000"/>
@@ -6354,10 +6355,10 @@
       </p:grpSpPr>
       <p:sp>
         <p:nvSpPr>
-          <p:cNvPr id="2" name="Title 1">
+          <p:cNvPr id="4" name="Title 1">
             <a:extLst>
               <a:ext uri="{FF2B5EF4-FFF2-40B4-BE49-F238E27FC236}">
-                <a16:creationId xmlns:a16="http://schemas.microsoft.com/office/drawing/2014/main" id="{D1A7C193-D073-4FC6-8793-E29B1A69EB53}"/>
+                <a16:creationId xmlns:a16="http://schemas.microsoft.com/office/drawing/2014/main" id="{488E624D-4698-425A-8FB9-52716423F919}"/>
               </a:ext>
             </a:extLst>
           </p:cNvPr>
@@ -6365,46 +6366,13 @@
             <a:spLocks noGrp="1"/>
           </p:cNvSpPr>
           <p:nvPr>
-            <p:ph type="ctrTitle"/>
+            <p:ph type="title"/>
           </p:nvPr>
         </p:nvSpPr>
         <p:spPr>
           <a:xfrm>
-            <a:off x="1524000" y="530087"/>
-            <a:ext cx="9144000" cy="1005302"/>
-          </a:xfrm>
-        </p:spPr>
-        <p:txBody>
-          <a:bodyPr/>
-          <a:lstStyle/>
-          <a:p>
-            <a:r>
-              <a:rPr lang="en-IN" dirty="0"/>
-              <a:t>Technologies Used</a:t>
-            </a:r>
-          </a:p>
-        </p:txBody>
-      </p:sp>
-      <p:sp>
-        <p:nvSpPr>
-          <p:cNvPr id="3" name="Subtitle 2">
-            <a:extLst>
-              <a:ext uri="{FF2B5EF4-FFF2-40B4-BE49-F238E27FC236}">
-                <a16:creationId xmlns:a16="http://schemas.microsoft.com/office/drawing/2014/main" id="{9717BAA3-97C9-463B-BD39-CFCB0FF53007}"/>
-              </a:ext>
-            </a:extLst>
-          </p:cNvPr>
-          <p:cNvSpPr>
-            <a:spLocks noGrp="1"/>
-          </p:cNvSpPr>
-          <p:nvPr>
-            <p:ph type="subTitle" idx="1"/>
-          </p:nvPr>
-        </p:nvSpPr>
-        <p:spPr>
-          <a:xfrm>
-            <a:off x="1524000" y="2120348"/>
-            <a:ext cx="9144000" cy="3415748"/>
+            <a:off x="639418" y="410818"/>
+            <a:ext cx="10515600" cy="1497496"/>
           </a:xfrm>
         </p:spPr>
         <p:txBody>
@@ -6413,81 +6381,151 @@
           </a:bodyPr>
           <a:lstStyle/>
           <a:p>
-            <a:pPr marL="342900" indent="-342900" algn="l">
+            <a:pPr algn="ctr"/>
+            <a:r>
+              <a:rPr lang="en-IN" sz="6000" dirty="0"/>
+              <a:t>What it does?</a:t>
+            </a:r>
+          </a:p>
+        </p:txBody>
+      </p:sp>
+      <p:sp>
+        <p:nvSpPr>
+          <p:cNvPr id="3" name="Content Placeholder 2">
+            <a:extLst>
+              <a:ext uri="{FF2B5EF4-FFF2-40B4-BE49-F238E27FC236}">
+                <a16:creationId xmlns:a16="http://schemas.microsoft.com/office/drawing/2014/main" id="{7365BAD7-B0AE-479D-A9D6-79B6EC16278F}"/>
+              </a:ext>
+            </a:extLst>
+          </p:cNvPr>
+          <p:cNvSpPr>
+            <a:spLocks noGrp="1"/>
+          </p:cNvSpPr>
+          <p:nvPr>
+            <p:ph idx="1"/>
+          </p:nvPr>
+        </p:nvSpPr>
+        <p:spPr>
+          <a:xfrm>
+            <a:off x="798444" y="2398644"/>
+            <a:ext cx="10515600" cy="3578087"/>
+          </a:xfrm>
+        </p:spPr>
+        <p:txBody>
+          <a:bodyPr>
+            <a:normAutofit fontScale="47500" lnSpcReduction="20000"/>
+          </a:bodyPr>
+          <a:lstStyle/>
+          <a:p>
+            <a:pPr>
               <a:buFont typeface="Wingdings" panose="05000000000000000000" pitchFamily="2" charset="2"/>
               <a:buChar char="§"/>
             </a:pPr>
             <a:r>
-              <a:rPr lang="en-IN" dirty="0"/>
-              <a:t>HTML5</a:t>
-            </a:r>
-          </a:p>
-          <a:p>
-            <a:pPr marL="342900" indent="-342900" algn="l">
+              <a:rPr lang="en-US" sz="3600" dirty="0"/>
+              <a:t>This platform is able to detect:</a:t>
+            </a:r>
+          </a:p>
+          <a:p>
+            <a:pPr lvl="1">
               <a:buFont typeface="Wingdings" panose="05000000000000000000" pitchFamily="2" charset="2"/>
               <a:buChar char="§"/>
             </a:pPr>
             <a:r>
-              <a:rPr lang="en-IN" dirty="0"/>
-              <a:t>CSS (Bootstrap)</a:t>
-            </a:r>
-          </a:p>
-          <a:p>
-            <a:pPr marL="342900" indent="-342900" algn="l">
+              <a:rPr lang="en-US" sz="3400" dirty="0"/>
+              <a:t>Faces</a:t>
+            </a:r>
+          </a:p>
+          <a:p>
+            <a:pPr lvl="1">
               <a:buFont typeface="Wingdings" panose="05000000000000000000" pitchFamily="2" charset="2"/>
               <a:buChar char="§"/>
             </a:pPr>
             <a:r>
-              <a:rPr lang="en-IN" dirty="0"/>
-              <a:t>JavaScript , jQuery</a:t>
-            </a:r>
-          </a:p>
-          <a:p>
-            <a:pPr marL="342900" indent="-342900">
+              <a:rPr lang="en-US" sz="3400" dirty="0"/>
+              <a:t>Landmarks</a:t>
+            </a:r>
+          </a:p>
+          <a:p>
+            <a:pPr lvl="1">
               <a:buFont typeface="Wingdings" panose="05000000000000000000" pitchFamily="2" charset="2"/>
               <a:buChar char="§"/>
             </a:pPr>
             <a:r>
-              <a:rPr lang="en-IN" dirty="0"/>
-              <a:t>Google Cloud TEXT-TO-SPEECH</a:t>
-            </a:r>
-          </a:p>
-          <a:p>
-            <a:pPr marL="342900" indent="-342900">
+              <a:rPr lang="en-US" sz="3400" dirty="0"/>
+              <a:t>Logos</a:t>
+            </a:r>
+          </a:p>
+          <a:p>
+            <a:pPr lvl="1">
               <a:buFont typeface="Wingdings" panose="05000000000000000000" pitchFamily="2" charset="2"/>
               <a:buChar char="§"/>
             </a:pPr>
             <a:r>
-              <a:rPr lang="en-IN" dirty="0"/>
-              <a:t>Google Cloud Vision API (Food Detection)</a:t>
-            </a:r>
-          </a:p>
-          <a:p>
-            <a:pPr marL="342900" indent="-342900" algn="l">
+              <a:rPr lang="en-US" sz="3400" dirty="0"/>
+              <a:t>Labels</a:t>
+            </a:r>
+          </a:p>
+          <a:p>
+            <a:pPr lvl="1">
               <a:buFont typeface="Wingdings" panose="05000000000000000000" pitchFamily="2" charset="2"/>
               <a:buChar char="§"/>
             </a:pPr>
             <a:r>
-              <a:rPr lang="en-IN" dirty="0"/>
-              <a:t>FFMPEG (IMAGE and AUDIO merged to VIDEO)</a:t>
-            </a:r>
-          </a:p>
-          <a:p>
-            <a:pPr marL="342900" indent="-342900" algn="l">
+              <a:rPr lang="en-US" sz="3400" dirty="0"/>
+              <a:t>OCR (Optical Character Recognition)</a:t>
+            </a:r>
+          </a:p>
+          <a:p>
+            <a:pPr>
               <a:buFont typeface="Wingdings" panose="05000000000000000000" pitchFamily="2" charset="2"/>
               <a:buChar char="§"/>
             </a:pPr>
-            <a:r>
-              <a:rPr lang="en-IN" dirty="0"/>
-              <a:t>Python, flask</a:t>
-            </a:r>
+            <a:endParaRPr lang="en-US" sz="3600" dirty="0"/>
+          </a:p>
+          <a:p>
+            <a:pPr>
+              <a:buFont typeface="Wingdings" panose="05000000000000000000" pitchFamily="2" charset="2"/>
+              <a:buChar char="§"/>
+            </a:pPr>
+            <a:r>
+              <a:rPr lang="en-US" sz="3600" dirty="0"/>
+              <a:t>It then converts the most confident findings to text and then to speech. It merges the image, Google findings, story keyed in by the user all into one homemade video. </a:t>
+            </a:r>
+          </a:p>
+          <a:p>
+            <a:pPr>
+              <a:buFont typeface="Wingdings" panose="05000000000000000000" pitchFamily="2" charset="2"/>
+              <a:buChar char="§"/>
+            </a:pPr>
+            <a:r>
+              <a:rPr lang="en-US" sz="3600" dirty="0"/>
+              <a:t>The user can choose to opt out </a:t>
+            </a:r>
+            <a:r>
+              <a:rPr lang="en-US" sz="3600"/>
+              <a:t>of </a:t>
+            </a:r>
+            <a:r>
+              <a:rPr lang="en-US" sz="3600" dirty="0"/>
+              <a:t>G</a:t>
+            </a:r>
+            <a:r>
+              <a:rPr lang="en-US" sz="3600"/>
+              <a:t>oogle's </a:t>
+            </a:r>
+            <a:r>
+              <a:rPr lang="en-US" sz="3600" dirty="0"/>
+              <a:t>findings and just make it about the personal story. Male or Female generated voice types are available.</a:t>
+            </a:r>
+            <a:endParaRPr lang="en-IN" sz="3600" dirty="0"/>
           </a:p>
         </p:txBody>
       </p:sp>
     </p:spTree>
     <p:extLst>
       <p:ext uri="{BB962C8B-B14F-4D97-AF65-F5344CB8AC3E}">
-        <p14:creationId xmlns:p14="http://schemas.microsoft.com/office/powerpoint/2010/main" val="1141347668"/>
+        <p14:creationId xmlns:p14="http://schemas.microsoft.com/office/powerpoint/2010/main" val="151935337"/>
       </p:ext>
     </p:extLst>
   </p:cSld>
@@ -6519,6 +6557,168 @@
           <p:cNvPr id="2" name="Title 1">
             <a:extLst>
               <a:ext uri="{FF2B5EF4-FFF2-40B4-BE49-F238E27FC236}">
+                <a16:creationId xmlns:a16="http://schemas.microsoft.com/office/drawing/2014/main" id="{D1A7C193-D073-4FC6-8793-E29B1A69EB53}"/>
+              </a:ext>
+            </a:extLst>
+          </p:cNvPr>
+          <p:cNvSpPr>
+            <a:spLocks noGrp="1"/>
+          </p:cNvSpPr>
+          <p:nvPr>
+            <p:ph type="ctrTitle"/>
+          </p:nvPr>
+        </p:nvSpPr>
+        <p:spPr>
+          <a:xfrm>
+            <a:off x="1524000" y="530087"/>
+            <a:ext cx="9144000" cy="1005302"/>
+          </a:xfrm>
+        </p:spPr>
+        <p:txBody>
+          <a:bodyPr/>
+          <a:lstStyle/>
+          <a:p>
+            <a:r>
+              <a:rPr lang="en-IN" dirty="0"/>
+              <a:t>Technologies Used</a:t>
+            </a:r>
+          </a:p>
+        </p:txBody>
+      </p:sp>
+      <p:sp>
+        <p:nvSpPr>
+          <p:cNvPr id="3" name="Subtitle 2">
+            <a:extLst>
+              <a:ext uri="{FF2B5EF4-FFF2-40B4-BE49-F238E27FC236}">
+                <a16:creationId xmlns:a16="http://schemas.microsoft.com/office/drawing/2014/main" id="{9717BAA3-97C9-463B-BD39-CFCB0FF53007}"/>
+              </a:ext>
+            </a:extLst>
+          </p:cNvPr>
+          <p:cNvSpPr>
+            <a:spLocks noGrp="1"/>
+          </p:cNvSpPr>
+          <p:nvPr>
+            <p:ph type="subTitle" idx="1"/>
+          </p:nvPr>
+        </p:nvSpPr>
+        <p:spPr>
+          <a:xfrm>
+            <a:off x="1524000" y="2120348"/>
+            <a:ext cx="9144000" cy="3415748"/>
+          </a:xfrm>
+        </p:spPr>
+        <p:txBody>
+          <a:bodyPr>
+            <a:normAutofit/>
+          </a:bodyPr>
+          <a:lstStyle/>
+          <a:p>
+            <a:pPr marL="342900" indent="-342900" algn="l">
+              <a:buFont typeface="Wingdings" panose="05000000000000000000" pitchFamily="2" charset="2"/>
+              <a:buChar char="§"/>
+            </a:pPr>
+            <a:r>
+              <a:rPr lang="en-IN" dirty="0"/>
+              <a:t>HTML5</a:t>
+            </a:r>
+          </a:p>
+          <a:p>
+            <a:pPr marL="342900" indent="-342900" algn="l">
+              <a:buFont typeface="Wingdings" panose="05000000000000000000" pitchFamily="2" charset="2"/>
+              <a:buChar char="§"/>
+            </a:pPr>
+            <a:r>
+              <a:rPr lang="en-IN" dirty="0"/>
+              <a:t>CSS (Bootstrap)</a:t>
+            </a:r>
+          </a:p>
+          <a:p>
+            <a:pPr marL="342900" indent="-342900" algn="l">
+              <a:buFont typeface="Wingdings" panose="05000000000000000000" pitchFamily="2" charset="2"/>
+              <a:buChar char="§"/>
+            </a:pPr>
+            <a:r>
+              <a:rPr lang="en-IN" dirty="0"/>
+              <a:t>JavaScript , jQuery</a:t>
+            </a:r>
+          </a:p>
+          <a:p>
+            <a:pPr marL="342900" indent="-342900">
+              <a:buFont typeface="Wingdings" panose="05000000000000000000" pitchFamily="2" charset="2"/>
+              <a:buChar char="§"/>
+            </a:pPr>
+            <a:r>
+              <a:rPr lang="en-IN" dirty="0"/>
+              <a:t>Google Cloud TEXT-TO-SPEECH</a:t>
+            </a:r>
+          </a:p>
+          <a:p>
+            <a:pPr marL="342900" indent="-342900">
+              <a:buFont typeface="Wingdings" panose="05000000000000000000" pitchFamily="2" charset="2"/>
+              <a:buChar char="§"/>
+            </a:pPr>
+            <a:r>
+              <a:rPr lang="en-IN" dirty="0"/>
+              <a:t>Google Cloud Vision API (Food Detection)</a:t>
+            </a:r>
+          </a:p>
+          <a:p>
+            <a:pPr marL="342900" indent="-342900" algn="l">
+              <a:buFont typeface="Wingdings" panose="05000000000000000000" pitchFamily="2" charset="2"/>
+              <a:buChar char="§"/>
+            </a:pPr>
+            <a:r>
+              <a:rPr lang="en-IN" dirty="0"/>
+              <a:t>FFMPEG (IMAGE and AUDIO merged to VIDEO)</a:t>
+            </a:r>
+          </a:p>
+          <a:p>
+            <a:pPr marL="342900" indent="-342900" algn="l">
+              <a:buFont typeface="Wingdings" panose="05000000000000000000" pitchFamily="2" charset="2"/>
+              <a:buChar char="§"/>
+            </a:pPr>
+            <a:r>
+              <a:rPr lang="en-IN" dirty="0"/>
+              <a:t>Python, flask</a:t>
+            </a:r>
+          </a:p>
+        </p:txBody>
+      </p:sp>
+    </p:spTree>
+    <p:extLst>
+      <p:ext uri="{BB962C8B-B14F-4D97-AF65-F5344CB8AC3E}">
+        <p14:creationId xmlns:p14="http://schemas.microsoft.com/office/powerpoint/2010/main" val="1141347668"/>
+      </p:ext>
+    </p:extLst>
+  </p:cSld>
+  <p:clrMapOvr>
+    <a:masterClrMapping/>
+  </p:clrMapOvr>
+</p:sld>
+</file>
+
+<file path=ppt/slides/slide5.xml><?xml version="1.0" encoding="utf-8"?>
+<p:sld xmlns:a="http://schemas.openxmlformats.org/drawingml/2006/main" xmlns:r="http://schemas.openxmlformats.org/officeDocument/2006/relationships" xmlns:p="http://schemas.openxmlformats.org/presentationml/2006/main">
+  <p:cSld>
+    <p:spTree>
+      <p:nvGrpSpPr>
+        <p:cNvPr id="1" name=""/>
+        <p:cNvGrpSpPr/>
+        <p:nvPr/>
+      </p:nvGrpSpPr>
+      <p:grpSpPr>
+        <a:xfrm>
+          <a:off x="0" y="0"/>
+          <a:ext cx="0" cy="0"/>
+          <a:chOff x="0" y="0"/>
+          <a:chExt cx="0" cy="0"/>
+        </a:xfrm>
+      </p:grpSpPr>
+      <p:sp>
+        <p:nvSpPr>
+          <p:cNvPr id="2" name="Title 1">
+            <a:extLst>
+              <a:ext uri="{FF2B5EF4-FFF2-40B4-BE49-F238E27FC236}">
                 <a16:creationId xmlns:a16="http://schemas.microsoft.com/office/drawing/2014/main" id="{97EC60F0-9BD9-4CDC-B894-100E60632BDD}"/>
               </a:ext>
             </a:extLst>
@@ -6589,7 +6789,7 @@
 </p:sld>
 </file>
 
-<file path=ppt/slides/slide5.xml><?xml version="1.0" encoding="utf-8"?>
+<file path=ppt/slides/slide6.xml><?xml version="1.0" encoding="utf-8"?>
 <p:sld xmlns:a="http://schemas.openxmlformats.org/drawingml/2006/main" xmlns:r="http://schemas.openxmlformats.org/officeDocument/2006/relationships" xmlns:p="http://schemas.openxmlformats.org/presentationml/2006/main">
   <p:cSld>
     <p:spTree>
